--- a/presentations/20211110_microbursts_vs_indices.pptx
+++ b/presentations/20211110_microbursts_vs_indices.pptx
@@ -5,7 +5,7 @@
     <p:sldMasterId id="2147483648" r:id="rId1"/>
   </p:sldMasterIdLst>
   <p:notesMasterIdLst>
-    <p:notesMasterId r:id="rId10"/>
+    <p:notesMasterId r:id="rId11"/>
   </p:notesMasterIdLst>
   <p:sldIdLst>
     <p:sldId id="256" r:id="rId2"/>
@@ -16,6 +16,7 @@
     <p:sldId id="262" r:id="rId7"/>
     <p:sldId id="263" r:id="rId8"/>
     <p:sldId id="261" r:id="rId9"/>
+    <p:sldId id="264" r:id="rId10"/>
   </p:sldIdLst>
   <p:sldSz cx="12192000" cy="6858000"/>
   <p:notesSz cx="6858000" cy="9144000"/>
@@ -4671,6 +4672,41 @@
           </a:p>
         </p:txBody>
       </p:sp>
+      <p:sp>
+        <p:nvSpPr>
+          <p:cNvPr id="10" name="TextBox 9">
+            <a:extLst>
+              <a:ext uri="{FF2B5EF4-FFF2-40B4-BE49-F238E27FC236}">
+                <a16:creationId xmlns:a16="http://schemas.microsoft.com/office/drawing/2014/main" id="{046A5CB3-5929-C747-B7D3-C9E13D32ADCC}"/>
+              </a:ext>
+            </a:extLst>
+          </p:cNvPr>
+          <p:cNvSpPr txBox="1"/>
+          <p:nvPr/>
+        </p:nvSpPr>
+        <p:spPr>
+          <a:xfrm rot="16200000">
+            <a:off x="-2101122" y="2940028"/>
+            <a:ext cx="4931764" cy="369332"/>
+          </a:xfrm>
+          <a:prstGeom prst="rect">
+            <a:avLst/>
+          </a:prstGeom>
+          <a:noFill/>
+        </p:spPr>
+        <p:txBody>
+          <a:bodyPr wrap="square" rtlCol="0">
+            <a:spAutoFit/>
+          </a:bodyPr>
+          <a:lstStyle/>
+          <a:p>
+            <a:r>
+              <a:rPr lang="en-US" dirty="0"/>
+              <a:t>Number of radiation belt passes</a:t>
+            </a:r>
+          </a:p>
+        </p:txBody>
+      </p:sp>
     </p:spTree>
     <p:extLst>
       <p:ext uri="{BB962C8B-B14F-4D97-AF65-F5344CB8AC3E}">
@@ -4910,6 +4946,41 @@
           </a:p>
         </p:txBody>
       </p:sp>
+      <p:sp>
+        <p:nvSpPr>
+          <p:cNvPr id="10" name="TextBox 9">
+            <a:extLst>
+              <a:ext uri="{FF2B5EF4-FFF2-40B4-BE49-F238E27FC236}">
+                <a16:creationId xmlns:a16="http://schemas.microsoft.com/office/drawing/2014/main" id="{F564173C-AA3C-3846-AE31-57841ACDA8FC}"/>
+              </a:ext>
+            </a:extLst>
+          </p:cNvPr>
+          <p:cNvSpPr txBox="1"/>
+          <p:nvPr/>
+        </p:nvSpPr>
+        <p:spPr>
+          <a:xfrm rot="16200000">
+            <a:off x="-2101122" y="2940028"/>
+            <a:ext cx="4931764" cy="369332"/>
+          </a:xfrm>
+          <a:prstGeom prst="rect">
+            <a:avLst/>
+          </a:prstGeom>
+          <a:noFill/>
+        </p:spPr>
+        <p:txBody>
+          <a:bodyPr wrap="square" rtlCol="0">
+            <a:spAutoFit/>
+          </a:bodyPr>
+          <a:lstStyle/>
+          <a:p>
+            <a:r>
+              <a:rPr lang="en-US" dirty="0"/>
+              <a:t>Number of radiation belt passes</a:t>
+            </a:r>
+          </a:p>
+        </p:txBody>
+      </p:sp>
     </p:spTree>
     <p:extLst>
       <p:ext uri="{BB962C8B-B14F-4D97-AF65-F5344CB8AC3E}">
@@ -5149,6 +5220,41 @@
           </a:p>
         </p:txBody>
       </p:sp>
+      <p:sp>
+        <p:nvSpPr>
+          <p:cNvPr id="10" name="TextBox 9">
+            <a:extLst>
+              <a:ext uri="{FF2B5EF4-FFF2-40B4-BE49-F238E27FC236}">
+                <a16:creationId xmlns:a16="http://schemas.microsoft.com/office/drawing/2014/main" id="{45FD44C6-3EA4-8247-BA08-DDD7746411BE}"/>
+              </a:ext>
+            </a:extLst>
+          </p:cNvPr>
+          <p:cNvSpPr txBox="1"/>
+          <p:nvPr/>
+        </p:nvSpPr>
+        <p:spPr>
+          <a:xfrm rot="16200000">
+            <a:off x="-2101122" y="2940028"/>
+            <a:ext cx="4931764" cy="369332"/>
+          </a:xfrm>
+          <a:prstGeom prst="rect">
+            <a:avLst/>
+          </a:prstGeom>
+          <a:noFill/>
+        </p:spPr>
+        <p:txBody>
+          <a:bodyPr wrap="square" rtlCol="0">
+            <a:spAutoFit/>
+          </a:bodyPr>
+          <a:lstStyle/>
+          <a:p>
+            <a:r>
+              <a:rPr lang="en-US" dirty="0"/>
+              <a:t>Number of radiation belt passes</a:t>
+            </a:r>
+          </a:p>
+        </p:txBody>
+      </p:sp>
     </p:spTree>
     <p:extLst>
       <p:ext uri="{BB962C8B-B14F-4D97-AF65-F5344CB8AC3E}">
@@ -5264,28 +5370,85 @@
           </a:p>
         </p:txBody>
       </p:sp>
-      <p:sp>
-        <p:nvSpPr>
-          <p:cNvPr id="9" name="Content Placeholder 8">
-            <a:extLst>
-              <a:ext uri="{FF2B5EF4-FFF2-40B4-BE49-F238E27FC236}">
-                <a16:creationId xmlns:a16="http://schemas.microsoft.com/office/drawing/2014/main" id="{66EA85D6-7E5F-7949-96A9-C5771CF570DB}"/>
-              </a:ext>
-            </a:extLst>
-          </p:cNvPr>
-          <p:cNvSpPr>
-            <a:spLocks noGrp="1"/>
-          </p:cNvSpPr>
+      <p:pic>
+        <p:nvPicPr>
+          <p:cNvPr id="11" name="Content Placeholder 10">
+            <a:extLst>
+              <a:ext uri="{FF2B5EF4-FFF2-40B4-BE49-F238E27FC236}">
+                <a16:creationId xmlns:a16="http://schemas.microsoft.com/office/drawing/2014/main" id="{27528DFB-D25F-234A-824A-F0A85D30ED2F}"/>
+              </a:ext>
+            </a:extLst>
+          </p:cNvPr>
+          <p:cNvPicPr>
+            <a:picLocks noGrp="1" noChangeAspect="1"/>
+          </p:cNvPicPr>
           <p:nvPr>
             <p:ph idx="1"/>
           </p:nvPr>
-        </p:nvSpPr>
-        <p:spPr/>
-        <p:txBody>
-          <a:bodyPr/>
-          <a:lstStyle/>
-          <a:p>
-            <a:endParaRPr lang="en-US"/>
+        </p:nvPicPr>
+        <p:blipFill>
+          <a:blip r:embed="rId2"/>
+          <a:stretch>
+            <a:fillRect/>
+          </a:stretch>
+        </p:blipFill>
+        <p:spPr>
+          <a:xfrm>
+            <a:off x="298556" y="1555802"/>
+            <a:ext cx="8702676" cy="4351338"/>
+          </a:xfrm>
+        </p:spPr>
+      </p:pic>
+      <p:sp>
+        <p:nvSpPr>
+          <p:cNvPr id="12" name="TextBox 11">
+            <a:extLst>
+              <a:ext uri="{FF2B5EF4-FFF2-40B4-BE49-F238E27FC236}">
+                <a16:creationId xmlns:a16="http://schemas.microsoft.com/office/drawing/2014/main" id="{39AD2ECE-EC76-2E41-B726-7494328CA74D}"/>
+              </a:ext>
+            </a:extLst>
+          </p:cNvPr>
+          <p:cNvSpPr txBox="1"/>
+          <p:nvPr/>
+        </p:nvSpPr>
+        <p:spPr>
+          <a:xfrm>
+            <a:off x="7547184" y="3876492"/>
+            <a:ext cx="3987384" cy="2585323"/>
+          </a:xfrm>
+          <a:prstGeom prst="rect">
+            <a:avLst/>
+          </a:prstGeom>
+          <a:noFill/>
+        </p:spPr>
+        <p:txBody>
+          <a:bodyPr wrap="square" rtlCol="0">
+            <a:spAutoFit/>
+          </a:bodyPr>
+          <a:lstStyle/>
+          <a:p>
+            <a:r>
+              <a:rPr lang="en-US" dirty="0"/>
+              <a:t>To my surprise, I don’t see any significant trends in any of these indices and the microburst rate.</a:t>
+            </a:r>
+          </a:p>
+          <a:p>
+            <a:endParaRPr lang="en-US" dirty="0"/>
+          </a:p>
+          <a:p>
+            <a:r>
+              <a:rPr lang="en-US" dirty="0"/>
+              <a:t>Is there a better way to calculate microburst occurrence rate?</a:t>
+            </a:r>
+          </a:p>
+          <a:p>
+            <a:endParaRPr lang="en-US" dirty="0"/>
+          </a:p>
+          <a:p>
+            <a:r>
+              <a:rPr lang="en-US" dirty="0"/>
+              <a:t>Maybe this is where the rate of change of this indices will be more illuminating.</a:t>
+            </a:r>
           </a:p>
         </p:txBody>
       </p:sp>
@@ -5293,6 +5456,202 @@
     <p:extLst>
       <p:ext uri="{BB962C8B-B14F-4D97-AF65-F5344CB8AC3E}">
         <p14:creationId xmlns:p14="http://schemas.microsoft.com/office/powerpoint/2010/main" val="385998881"/>
+      </p:ext>
+    </p:extLst>
+  </p:cSld>
+  <p:clrMapOvr>
+    <a:masterClrMapping/>
+  </p:clrMapOvr>
+</p:sld>
+</file>
+
+<file path=ppt/slides/slide9.xml><?xml version="1.0" encoding="utf-8"?>
+<p:sld xmlns:a="http://schemas.openxmlformats.org/drawingml/2006/main" xmlns:r="http://schemas.openxmlformats.org/officeDocument/2006/relationships" xmlns:p="http://schemas.openxmlformats.org/presentationml/2006/main">
+  <p:cSld>
+    <p:spTree>
+      <p:nvGrpSpPr>
+        <p:cNvPr id="1" name=""/>
+        <p:cNvGrpSpPr/>
+        <p:nvPr/>
+      </p:nvGrpSpPr>
+      <p:grpSpPr>
+        <a:xfrm>
+          <a:off x="0" y="0"/>
+          <a:ext cx="0" cy="0"/>
+          <a:chOff x="0" y="0"/>
+          <a:chExt cx="0" cy="0"/>
+        </a:xfrm>
+      </p:grpSpPr>
+      <p:sp>
+        <p:nvSpPr>
+          <p:cNvPr id="2" name="Title 1">
+            <a:extLst>
+              <a:ext uri="{FF2B5EF4-FFF2-40B4-BE49-F238E27FC236}">
+                <a16:creationId xmlns:a16="http://schemas.microsoft.com/office/drawing/2014/main" id="{8C1723ED-6211-A643-95FE-C566BD4AC9AC}"/>
+              </a:ext>
+            </a:extLst>
+          </p:cNvPr>
+          <p:cNvSpPr>
+            <a:spLocks noGrp="1"/>
+          </p:cNvSpPr>
+          <p:nvPr>
+            <p:ph type="title"/>
+          </p:nvPr>
+        </p:nvSpPr>
+        <p:spPr/>
+        <p:txBody>
+          <a:bodyPr/>
+          <a:lstStyle/>
+          <a:p>
+            <a:r>
+              <a:rPr lang="en-US" dirty="0"/>
+              <a:t>Step 3: Append Indices</a:t>
+            </a:r>
+          </a:p>
+        </p:txBody>
+      </p:sp>
+      <p:sp>
+        <p:nvSpPr>
+          <p:cNvPr id="4" name="Date Placeholder 3">
+            <a:extLst>
+              <a:ext uri="{FF2B5EF4-FFF2-40B4-BE49-F238E27FC236}">
+                <a16:creationId xmlns:a16="http://schemas.microsoft.com/office/drawing/2014/main" id="{68C693D4-5E74-BF4E-AA00-F4A5C8E99F93}"/>
+              </a:ext>
+            </a:extLst>
+          </p:cNvPr>
+          <p:cNvSpPr>
+            <a:spLocks noGrp="1"/>
+          </p:cNvSpPr>
+          <p:nvPr>
+            <p:ph type="dt" sz="half" idx="10"/>
+          </p:nvPr>
+        </p:nvSpPr>
+        <p:spPr/>
+        <p:txBody>
+          <a:bodyPr/>
+          <a:lstStyle/>
+          <a:p>
+            <a:r>
+              <a:rPr lang="en-US"/>
+              <a:t>10 November 2021</a:t>
+            </a:r>
+          </a:p>
+        </p:txBody>
+      </p:sp>
+      <p:sp>
+        <p:nvSpPr>
+          <p:cNvPr id="5" name="Slide Number Placeholder 4">
+            <a:extLst>
+              <a:ext uri="{FF2B5EF4-FFF2-40B4-BE49-F238E27FC236}">
+                <a16:creationId xmlns:a16="http://schemas.microsoft.com/office/drawing/2014/main" id="{02824074-17D8-1149-BFB0-7C6E01588646}"/>
+              </a:ext>
+            </a:extLst>
+          </p:cNvPr>
+          <p:cNvSpPr>
+            <a:spLocks noGrp="1"/>
+          </p:cNvSpPr>
+          <p:nvPr>
+            <p:ph type="sldNum" sz="quarter" idx="12"/>
+          </p:nvPr>
+        </p:nvSpPr>
+        <p:spPr/>
+        <p:txBody>
+          <a:bodyPr/>
+          <a:lstStyle/>
+          <a:p>
+            <a:fld id="{25C7EC90-9A2B-9547-9252-1EE4E1D5B166}" type="slidenum">
+              <a:rPr lang="en-US" smtClean="0"/>
+              <a:t>9</a:t>
+            </a:fld>
+            <a:endParaRPr lang="en-US"/>
+          </a:p>
+        </p:txBody>
+      </p:sp>
+      <p:pic>
+        <p:nvPicPr>
+          <p:cNvPr id="11" name="Content Placeholder 10">
+            <a:extLst>
+              <a:ext uri="{FF2B5EF4-FFF2-40B4-BE49-F238E27FC236}">
+                <a16:creationId xmlns:a16="http://schemas.microsoft.com/office/drawing/2014/main" id="{27528DFB-D25F-234A-824A-F0A85D30ED2F}"/>
+              </a:ext>
+            </a:extLst>
+          </p:cNvPr>
+          <p:cNvPicPr>
+            <a:picLocks noGrp="1" noChangeAspect="1"/>
+          </p:cNvPicPr>
+          <p:nvPr>
+            <p:ph idx="1"/>
+          </p:nvPr>
+        </p:nvPicPr>
+        <p:blipFill>
+          <a:blip r:embed="rId2"/>
+          <a:srcRect/>
+          <a:stretch/>
+        </p:blipFill>
+        <p:spPr>
+          <a:xfrm>
+            <a:off x="298556" y="1555802"/>
+            <a:ext cx="8702676" cy="4351338"/>
+          </a:xfrm>
+        </p:spPr>
+      </p:pic>
+      <p:sp>
+        <p:nvSpPr>
+          <p:cNvPr id="12" name="TextBox 11">
+            <a:extLst>
+              <a:ext uri="{FF2B5EF4-FFF2-40B4-BE49-F238E27FC236}">
+                <a16:creationId xmlns:a16="http://schemas.microsoft.com/office/drawing/2014/main" id="{39AD2ECE-EC76-2E41-B726-7494328CA74D}"/>
+              </a:ext>
+            </a:extLst>
+          </p:cNvPr>
+          <p:cNvSpPr txBox="1"/>
+          <p:nvPr/>
+        </p:nvSpPr>
+        <p:spPr>
+          <a:xfrm>
+            <a:off x="7547184" y="3876492"/>
+            <a:ext cx="3987384" cy="2585323"/>
+          </a:xfrm>
+          <a:prstGeom prst="rect">
+            <a:avLst/>
+          </a:prstGeom>
+          <a:noFill/>
+        </p:spPr>
+        <p:txBody>
+          <a:bodyPr wrap="square" rtlCol="0">
+            <a:spAutoFit/>
+          </a:bodyPr>
+          <a:lstStyle/>
+          <a:p>
+            <a:r>
+              <a:rPr lang="en-US" dirty="0"/>
+              <a:t>To my surprise, I don’t see any significant trends in any of these indices and the microburst rate.</a:t>
+            </a:r>
+          </a:p>
+          <a:p>
+            <a:endParaRPr lang="en-US" dirty="0"/>
+          </a:p>
+          <a:p>
+            <a:r>
+              <a:rPr lang="en-US" dirty="0"/>
+              <a:t>Is there a better way to calculate microburst occurrence rate?</a:t>
+            </a:r>
+          </a:p>
+          <a:p>
+            <a:endParaRPr lang="en-US" dirty="0"/>
+          </a:p>
+          <a:p>
+            <a:r>
+              <a:rPr lang="en-US" dirty="0"/>
+              <a:t>Maybe this is where the rate of change of this indices will be more illuminating.</a:t>
+            </a:r>
+          </a:p>
+        </p:txBody>
+      </p:sp>
+    </p:spTree>
+    <p:extLst>
+      <p:ext uri="{BB962C8B-B14F-4D97-AF65-F5344CB8AC3E}">
+        <p14:creationId xmlns:p14="http://schemas.microsoft.com/office/powerpoint/2010/main" val="2693821762"/>
       </p:ext>
     </p:extLst>
   </p:cSld>

--- a/presentations/20211110_microbursts_vs_indices.pptx
+++ b/presentations/20211110_microbursts_vs_indices.pptx
@@ -5,18 +5,20 @@
     <p:sldMasterId id="2147483648" r:id="rId1"/>
   </p:sldMasterIdLst>
   <p:notesMasterIdLst>
-    <p:notesMasterId r:id="rId11"/>
+    <p:notesMasterId r:id="rId13"/>
   </p:notesMasterIdLst>
   <p:sldIdLst>
     <p:sldId id="256" r:id="rId2"/>
     <p:sldId id="257" r:id="rId3"/>
     <p:sldId id="258" r:id="rId4"/>
-    <p:sldId id="259" r:id="rId5"/>
-    <p:sldId id="260" r:id="rId6"/>
-    <p:sldId id="262" r:id="rId7"/>
-    <p:sldId id="263" r:id="rId8"/>
-    <p:sldId id="261" r:id="rId9"/>
-    <p:sldId id="264" r:id="rId10"/>
+    <p:sldId id="265" r:id="rId5"/>
+    <p:sldId id="259" r:id="rId6"/>
+    <p:sldId id="266" r:id="rId7"/>
+    <p:sldId id="260" r:id="rId8"/>
+    <p:sldId id="262" r:id="rId9"/>
+    <p:sldId id="263" r:id="rId10"/>
+    <p:sldId id="261" r:id="rId11"/>
+    <p:sldId id="264" r:id="rId12"/>
   </p:sldIdLst>
   <p:sldSz cx="12192000" cy="6858000"/>
   <p:notesSz cx="6858000" cy="9144000"/>
@@ -3802,6 +3804,442 @@
 </p:sld>
 </file>
 
+<file path=ppt/slides/slide10.xml><?xml version="1.0" encoding="utf-8"?>
+<p:sld xmlns:a="http://schemas.openxmlformats.org/drawingml/2006/main" xmlns:r="http://schemas.openxmlformats.org/officeDocument/2006/relationships" xmlns:p="http://schemas.openxmlformats.org/presentationml/2006/main">
+  <p:cSld>
+    <p:spTree>
+      <p:nvGrpSpPr>
+        <p:cNvPr id="1" name=""/>
+        <p:cNvGrpSpPr/>
+        <p:nvPr/>
+      </p:nvGrpSpPr>
+      <p:grpSpPr>
+        <a:xfrm>
+          <a:off x="0" y="0"/>
+          <a:ext cx="0" cy="0"/>
+          <a:chOff x="0" y="0"/>
+          <a:chExt cx="0" cy="0"/>
+        </a:xfrm>
+      </p:grpSpPr>
+      <p:sp>
+        <p:nvSpPr>
+          <p:cNvPr id="2" name="Title 1">
+            <a:extLst>
+              <a:ext uri="{FF2B5EF4-FFF2-40B4-BE49-F238E27FC236}">
+                <a16:creationId xmlns:a16="http://schemas.microsoft.com/office/drawing/2014/main" id="{8C1723ED-6211-A643-95FE-C566BD4AC9AC}"/>
+              </a:ext>
+            </a:extLst>
+          </p:cNvPr>
+          <p:cNvSpPr>
+            <a:spLocks noGrp="1"/>
+          </p:cNvSpPr>
+          <p:nvPr>
+            <p:ph type="title"/>
+          </p:nvPr>
+        </p:nvSpPr>
+        <p:spPr/>
+        <p:txBody>
+          <a:bodyPr/>
+          <a:lstStyle/>
+          <a:p>
+            <a:r>
+              <a:rPr lang="en-US" dirty="0"/>
+              <a:t>Step 3: Append Indices</a:t>
+            </a:r>
+          </a:p>
+        </p:txBody>
+      </p:sp>
+      <p:sp>
+        <p:nvSpPr>
+          <p:cNvPr id="4" name="Date Placeholder 3">
+            <a:extLst>
+              <a:ext uri="{FF2B5EF4-FFF2-40B4-BE49-F238E27FC236}">
+                <a16:creationId xmlns:a16="http://schemas.microsoft.com/office/drawing/2014/main" id="{68C693D4-5E74-BF4E-AA00-F4A5C8E99F93}"/>
+              </a:ext>
+            </a:extLst>
+          </p:cNvPr>
+          <p:cNvSpPr>
+            <a:spLocks noGrp="1"/>
+          </p:cNvSpPr>
+          <p:nvPr>
+            <p:ph type="dt" sz="half" idx="10"/>
+          </p:nvPr>
+        </p:nvSpPr>
+        <p:spPr/>
+        <p:txBody>
+          <a:bodyPr/>
+          <a:lstStyle/>
+          <a:p>
+            <a:r>
+              <a:rPr lang="en-US"/>
+              <a:t>10 November 2021</a:t>
+            </a:r>
+          </a:p>
+        </p:txBody>
+      </p:sp>
+      <p:sp>
+        <p:nvSpPr>
+          <p:cNvPr id="5" name="Slide Number Placeholder 4">
+            <a:extLst>
+              <a:ext uri="{FF2B5EF4-FFF2-40B4-BE49-F238E27FC236}">
+                <a16:creationId xmlns:a16="http://schemas.microsoft.com/office/drawing/2014/main" id="{02824074-17D8-1149-BFB0-7C6E01588646}"/>
+              </a:ext>
+            </a:extLst>
+          </p:cNvPr>
+          <p:cNvSpPr>
+            <a:spLocks noGrp="1"/>
+          </p:cNvSpPr>
+          <p:nvPr>
+            <p:ph type="sldNum" sz="quarter" idx="12"/>
+          </p:nvPr>
+        </p:nvSpPr>
+        <p:spPr/>
+        <p:txBody>
+          <a:bodyPr/>
+          <a:lstStyle/>
+          <a:p>
+            <a:fld id="{25C7EC90-9A2B-9547-9252-1EE4E1D5B166}" type="slidenum">
+              <a:rPr lang="en-US" smtClean="0"/>
+              <a:t>10</a:t>
+            </a:fld>
+            <a:endParaRPr lang="en-US"/>
+          </a:p>
+        </p:txBody>
+      </p:sp>
+      <p:pic>
+        <p:nvPicPr>
+          <p:cNvPr id="11" name="Content Placeholder 10">
+            <a:extLst>
+              <a:ext uri="{FF2B5EF4-FFF2-40B4-BE49-F238E27FC236}">
+                <a16:creationId xmlns:a16="http://schemas.microsoft.com/office/drawing/2014/main" id="{27528DFB-D25F-234A-824A-F0A85D30ED2F}"/>
+              </a:ext>
+            </a:extLst>
+          </p:cNvPr>
+          <p:cNvPicPr>
+            <a:picLocks noGrp="1" noChangeAspect="1"/>
+          </p:cNvPicPr>
+          <p:nvPr>
+            <p:ph idx="1"/>
+          </p:nvPr>
+        </p:nvPicPr>
+        <p:blipFill>
+          <a:blip r:embed="rId2"/>
+          <a:stretch>
+            <a:fillRect/>
+          </a:stretch>
+        </p:blipFill>
+        <p:spPr>
+          <a:xfrm>
+            <a:off x="298556" y="1555802"/>
+            <a:ext cx="8702676" cy="4351338"/>
+          </a:xfrm>
+        </p:spPr>
+      </p:pic>
+      <p:sp>
+        <p:nvSpPr>
+          <p:cNvPr id="12" name="TextBox 11">
+            <a:extLst>
+              <a:ext uri="{FF2B5EF4-FFF2-40B4-BE49-F238E27FC236}">
+                <a16:creationId xmlns:a16="http://schemas.microsoft.com/office/drawing/2014/main" id="{39AD2ECE-EC76-2E41-B726-7494328CA74D}"/>
+              </a:ext>
+            </a:extLst>
+          </p:cNvPr>
+          <p:cNvSpPr txBox="1"/>
+          <p:nvPr/>
+        </p:nvSpPr>
+        <p:spPr>
+          <a:xfrm>
+            <a:off x="7547184" y="3876492"/>
+            <a:ext cx="3987384" cy="2585323"/>
+          </a:xfrm>
+          <a:prstGeom prst="rect">
+            <a:avLst/>
+          </a:prstGeom>
+          <a:noFill/>
+        </p:spPr>
+        <p:txBody>
+          <a:bodyPr wrap="square" rtlCol="0">
+            <a:spAutoFit/>
+          </a:bodyPr>
+          <a:lstStyle/>
+          <a:p>
+            <a:r>
+              <a:rPr lang="en-US" dirty="0"/>
+              <a:t>To my surprise, I don’t see any significant trends in any of these indices and the microburst rate.</a:t>
+            </a:r>
+          </a:p>
+          <a:p>
+            <a:endParaRPr lang="en-US" dirty="0"/>
+          </a:p>
+          <a:p>
+            <a:r>
+              <a:rPr lang="en-US" dirty="0"/>
+              <a:t>Is there a better way to calculate microburst occurrence rate?</a:t>
+            </a:r>
+          </a:p>
+          <a:p>
+            <a:endParaRPr lang="en-US" dirty="0"/>
+          </a:p>
+          <a:p>
+            <a:r>
+              <a:rPr lang="en-US" dirty="0"/>
+              <a:t>Maybe this is where the rate of change of this indices will be more illuminating.</a:t>
+            </a:r>
+          </a:p>
+        </p:txBody>
+      </p:sp>
+    </p:spTree>
+    <p:extLst>
+      <p:ext uri="{BB962C8B-B14F-4D97-AF65-F5344CB8AC3E}">
+        <p14:creationId xmlns:p14="http://schemas.microsoft.com/office/powerpoint/2010/main" val="385998881"/>
+      </p:ext>
+    </p:extLst>
+  </p:cSld>
+  <p:clrMapOvr>
+    <a:masterClrMapping/>
+  </p:clrMapOvr>
+</p:sld>
+</file>
+
+<file path=ppt/slides/slide11.xml><?xml version="1.0" encoding="utf-8"?>
+<p:sld xmlns:a="http://schemas.openxmlformats.org/drawingml/2006/main" xmlns:r="http://schemas.openxmlformats.org/officeDocument/2006/relationships" xmlns:p="http://schemas.openxmlformats.org/presentationml/2006/main">
+  <p:cSld>
+    <p:spTree>
+      <p:nvGrpSpPr>
+        <p:cNvPr id="1" name=""/>
+        <p:cNvGrpSpPr/>
+        <p:nvPr/>
+      </p:nvGrpSpPr>
+      <p:grpSpPr>
+        <a:xfrm>
+          <a:off x="0" y="0"/>
+          <a:ext cx="0" cy="0"/>
+          <a:chOff x="0" y="0"/>
+          <a:chExt cx="0" cy="0"/>
+        </a:xfrm>
+      </p:grpSpPr>
+      <p:sp>
+        <p:nvSpPr>
+          <p:cNvPr id="2" name="Title 1">
+            <a:extLst>
+              <a:ext uri="{FF2B5EF4-FFF2-40B4-BE49-F238E27FC236}">
+                <a16:creationId xmlns:a16="http://schemas.microsoft.com/office/drawing/2014/main" id="{8C1723ED-6211-A643-95FE-C566BD4AC9AC}"/>
+              </a:ext>
+            </a:extLst>
+          </p:cNvPr>
+          <p:cNvSpPr>
+            <a:spLocks noGrp="1"/>
+          </p:cNvSpPr>
+          <p:nvPr>
+            <p:ph type="title"/>
+          </p:nvPr>
+        </p:nvSpPr>
+        <p:spPr/>
+        <p:txBody>
+          <a:bodyPr/>
+          <a:lstStyle/>
+          <a:p>
+            <a:r>
+              <a:rPr lang="en-US" dirty="0"/>
+              <a:t>Step 3: Append Indices</a:t>
+            </a:r>
+          </a:p>
+        </p:txBody>
+      </p:sp>
+      <p:sp>
+        <p:nvSpPr>
+          <p:cNvPr id="4" name="Date Placeholder 3">
+            <a:extLst>
+              <a:ext uri="{FF2B5EF4-FFF2-40B4-BE49-F238E27FC236}">
+                <a16:creationId xmlns:a16="http://schemas.microsoft.com/office/drawing/2014/main" id="{68C693D4-5E74-BF4E-AA00-F4A5C8E99F93}"/>
+              </a:ext>
+            </a:extLst>
+          </p:cNvPr>
+          <p:cNvSpPr>
+            <a:spLocks noGrp="1"/>
+          </p:cNvSpPr>
+          <p:nvPr>
+            <p:ph type="dt" sz="half" idx="10"/>
+          </p:nvPr>
+        </p:nvSpPr>
+        <p:spPr/>
+        <p:txBody>
+          <a:bodyPr/>
+          <a:lstStyle/>
+          <a:p>
+            <a:r>
+              <a:rPr lang="en-US"/>
+              <a:t>10 November 2021</a:t>
+            </a:r>
+          </a:p>
+        </p:txBody>
+      </p:sp>
+      <p:sp>
+        <p:nvSpPr>
+          <p:cNvPr id="5" name="Slide Number Placeholder 4">
+            <a:extLst>
+              <a:ext uri="{FF2B5EF4-FFF2-40B4-BE49-F238E27FC236}">
+                <a16:creationId xmlns:a16="http://schemas.microsoft.com/office/drawing/2014/main" id="{02824074-17D8-1149-BFB0-7C6E01588646}"/>
+              </a:ext>
+            </a:extLst>
+          </p:cNvPr>
+          <p:cNvSpPr>
+            <a:spLocks noGrp="1"/>
+          </p:cNvSpPr>
+          <p:nvPr>
+            <p:ph type="sldNum" sz="quarter" idx="12"/>
+          </p:nvPr>
+        </p:nvSpPr>
+        <p:spPr/>
+        <p:txBody>
+          <a:bodyPr/>
+          <a:lstStyle/>
+          <a:p>
+            <a:fld id="{25C7EC90-9A2B-9547-9252-1EE4E1D5B166}" type="slidenum">
+              <a:rPr lang="en-US" smtClean="0"/>
+              <a:t>11</a:t>
+            </a:fld>
+            <a:endParaRPr lang="en-US"/>
+          </a:p>
+        </p:txBody>
+      </p:sp>
+      <p:pic>
+        <p:nvPicPr>
+          <p:cNvPr id="11" name="Content Placeholder 10">
+            <a:extLst>
+              <a:ext uri="{FF2B5EF4-FFF2-40B4-BE49-F238E27FC236}">
+                <a16:creationId xmlns:a16="http://schemas.microsoft.com/office/drawing/2014/main" id="{27528DFB-D25F-234A-824A-F0A85D30ED2F}"/>
+              </a:ext>
+            </a:extLst>
+          </p:cNvPr>
+          <p:cNvPicPr>
+            <a:picLocks noGrp="1" noChangeAspect="1"/>
+          </p:cNvPicPr>
+          <p:nvPr>
+            <p:ph idx="1"/>
+          </p:nvPr>
+        </p:nvPicPr>
+        <p:blipFill>
+          <a:blip r:embed="rId2"/>
+          <a:srcRect/>
+          <a:stretch/>
+        </p:blipFill>
+        <p:spPr>
+          <a:xfrm>
+            <a:off x="298556" y="1555802"/>
+            <a:ext cx="8702676" cy="4351338"/>
+          </a:xfrm>
+        </p:spPr>
+      </p:pic>
+      <p:sp>
+        <p:nvSpPr>
+          <p:cNvPr id="12" name="TextBox 11">
+            <a:extLst>
+              <a:ext uri="{FF2B5EF4-FFF2-40B4-BE49-F238E27FC236}">
+                <a16:creationId xmlns:a16="http://schemas.microsoft.com/office/drawing/2014/main" id="{39AD2ECE-EC76-2E41-B726-7494328CA74D}"/>
+              </a:ext>
+            </a:extLst>
+          </p:cNvPr>
+          <p:cNvSpPr txBox="1"/>
+          <p:nvPr/>
+        </p:nvSpPr>
+        <p:spPr>
+          <a:xfrm>
+            <a:off x="7547184" y="3876492"/>
+            <a:ext cx="3987384" cy="2585323"/>
+          </a:xfrm>
+          <a:prstGeom prst="rect">
+            <a:avLst/>
+          </a:prstGeom>
+          <a:noFill/>
+        </p:spPr>
+        <p:txBody>
+          <a:bodyPr wrap="square" rtlCol="0">
+            <a:spAutoFit/>
+          </a:bodyPr>
+          <a:lstStyle/>
+          <a:p>
+            <a:r>
+              <a:rPr lang="en-US" dirty="0"/>
+              <a:t>To my surprise, I don’t see any significant trends in any of these indices and the microburst rate.</a:t>
+            </a:r>
+          </a:p>
+          <a:p>
+            <a:endParaRPr lang="en-US" dirty="0"/>
+          </a:p>
+          <a:p>
+            <a:r>
+              <a:rPr lang="en-US" dirty="0"/>
+              <a:t>Is there a better way to calculate microburst occurrence rate?</a:t>
+            </a:r>
+          </a:p>
+          <a:p>
+            <a:endParaRPr lang="en-US" dirty="0"/>
+          </a:p>
+          <a:p>
+            <a:r>
+              <a:rPr lang="en-US" dirty="0"/>
+              <a:t>Maybe this is where the rate of change of this indices will be more illuminating.</a:t>
+            </a:r>
+          </a:p>
+        </p:txBody>
+      </p:sp>
+      <p:sp>
+        <p:nvSpPr>
+          <p:cNvPr id="3" name="TextBox 2">
+            <a:extLst>
+              <a:ext uri="{FF2B5EF4-FFF2-40B4-BE49-F238E27FC236}">
+                <a16:creationId xmlns:a16="http://schemas.microsoft.com/office/drawing/2014/main" id="{C600F109-7C90-F34E-8F70-11860597976A}"/>
+              </a:ext>
+            </a:extLst>
+          </p:cNvPr>
+          <p:cNvSpPr txBox="1"/>
+          <p:nvPr/>
+        </p:nvSpPr>
+        <p:spPr>
+          <a:xfrm>
+            <a:off x="9129010" y="1948721"/>
+            <a:ext cx="2833141" cy="646331"/>
+          </a:xfrm>
+          <a:prstGeom prst="rect">
+            <a:avLst/>
+          </a:prstGeom>
+          <a:noFill/>
+        </p:spPr>
+        <p:txBody>
+          <a:bodyPr wrap="square" rtlCol="0">
+            <a:spAutoFit/>
+          </a:bodyPr>
+          <a:lstStyle/>
+          <a:p>
+            <a:r>
+              <a:rPr lang="en-US" dirty="0"/>
+              <a:t>Same as </a:t>
+            </a:r>
+            <a:r>
+              <a:rPr lang="en-US"/>
+              <a:t>the previous slide </a:t>
+            </a:r>
+            <a:r>
+              <a:rPr lang="en-US" dirty="0"/>
+              <a:t>but in histogram form.</a:t>
+            </a:r>
+          </a:p>
+        </p:txBody>
+      </p:sp>
+    </p:spTree>
+    <p:extLst>
+      <p:ext uri="{BB962C8B-B14F-4D97-AF65-F5344CB8AC3E}">
+        <p14:creationId xmlns:p14="http://schemas.microsoft.com/office/powerpoint/2010/main" val="2693821762"/>
+      </p:ext>
+    </p:extLst>
+  </p:cSld>
+  <p:clrMapOvr>
+    <a:masterClrMapping/>
+  </p:clrMapOvr>
+</p:sld>
+</file>
+
 <file path=ppt/slides/slide2.xml><?xml version="1.0" encoding="utf-8"?>
 <p:sld xmlns:a="http://schemas.openxmlformats.org/drawingml/2006/main" xmlns:r="http://schemas.openxmlformats.org/officeDocument/2006/relationships" xmlns:p="http://schemas.openxmlformats.org/presentationml/2006/main">
   <p:cSld>
@@ -3886,7 +4324,7 @@
             </a:pPr>
             <a:r>
               <a:rPr lang="en-US" dirty="0"/>
-              <a:t>Help launch sounding rockets and other time-critical tasks.</a:t>
+              <a:t>Help launch sounding rockets.</a:t>
             </a:r>
           </a:p>
           <a:p>
@@ -3896,7 +4334,7 @@
             </a:pPr>
             <a:r>
               <a:rPr lang="en-US" dirty="0"/>
-              <a:t>A better input to radiation belt precipitation models</a:t>
+              <a:t>A more informed input to radiation belt precipitation models</a:t>
             </a:r>
           </a:p>
           <a:p>
@@ -4087,39 +4525,7 @@
                   <a:schemeClr val="accent6"/>
                 </a:solidFill>
               </a:rPr>
-              <a:t>Append the AE, </a:t>
-            </a:r>
-            <a:r>
-              <a:rPr lang="en-US" dirty="0" err="1">
-                <a:solidFill>
-                  <a:schemeClr val="accent6"/>
-                </a:solidFill>
-              </a:rPr>
-              <a:t>Sym</a:t>
-            </a:r>
-            <a:r>
-              <a:rPr lang="en-US" dirty="0">
-                <a:solidFill>
-                  <a:schemeClr val="accent6"/>
-                </a:solidFill>
-              </a:rPr>
-              <a:t>, and </a:t>
-            </a:r>
-            <a:r>
-              <a:rPr lang="en-US" dirty="0" err="1">
-                <a:solidFill>
-                  <a:schemeClr val="accent6"/>
-                </a:solidFill>
-              </a:rPr>
-              <a:t>Asy</a:t>
-            </a:r>
-            <a:r>
-              <a:rPr lang="en-US" dirty="0">
-                <a:solidFill>
-                  <a:schemeClr val="accent6"/>
-                </a:solidFill>
-              </a:rPr>
-              <a:t> indices to the microburst dataset.</a:t>
+              <a:t>Append the AE, SYM, and ASY indices to the microburst dataset.</a:t>
             </a:r>
           </a:p>
           <a:p>
@@ -4270,7 +4676,7 @@
           <p:cNvPr id="2" name="Title 1">
             <a:extLst>
               <a:ext uri="{FF2B5EF4-FFF2-40B4-BE49-F238E27FC236}">
-                <a16:creationId xmlns:a16="http://schemas.microsoft.com/office/drawing/2014/main" id="{351F49E3-0C17-3D4F-9656-0AB435700252}"/>
+                <a16:creationId xmlns:a16="http://schemas.microsoft.com/office/drawing/2014/main" id="{A081CE90-BCF8-5A41-B01A-79FBDD76D172}"/>
               </a:ext>
             </a:extLst>
           </p:cNvPr>
@@ -4288,46 +4694,117 @@
           <a:p>
             <a:r>
               <a:rPr lang="en-US" dirty="0"/>
-              <a:t>Step 1: 2997-2012 radiation belt passes</a:t>
-            </a:r>
-          </a:p>
-        </p:txBody>
-      </p:sp>
-      <p:pic>
-        <p:nvPicPr>
-          <p:cNvPr id="5" name="Content Placeholder 4">
-            <a:extLst>
-              <a:ext uri="{FF2B5EF4-FFF2-40B4-BE49-F238E27FC236}">
-                <a16:creationId xmlns:a16="http://schemas.microsoft.com/office/drawing/2014/main" id="{E33CD820-DC87-0241-950A-FA6B7458D560}"/>
-              </a:ext>
-            </a:extLst>
-          </p:cNvPr>
-          <p:cNvPicPr>
-            <a:picLocks noGrp="1" noChangeAspect="1"/>
-          </p:cNvPicPr>
+              <a:t>AE, SYM, and ASY indices</a:t>
+            </a:r>
+          </a:p>
+        </p:txBody>
+      </p:sp>
+      <p:sp>
+        <p:nvSpPr>
+          <p:cNvPr id="3" name="Content Placeholder 2">
+            <a:extLst>
+              <a:ext uri="{FF2B5EF4-FFF2-40B4-BE49-F238E27FC236}">
+                <a16:creationId xmlns:a16="http://schemas.microsoft.com/office/drawing/2014/main" id="{4D417330-6900-364D-A853-2B261DBCBB1E}"/>
+              </a:ext>
+            </a:extLst>
+          </p:cNvPr>
+          <p:cNvSpPr>
+            <a:spLocks noGrp="1"/>
+          </p:cNvSpPr>
           <p:nvPr>
             <p:ph idx="1"/>
           </p:nvPr>
-        </p:nvPicPr>
-        <p:blipFill>
-          <a:blip r:embed="rId2"/>
-          <a:stretch>
-            <a:fillRect/>
-          </a:stretch>
-        </p:blipFill>
-        <p:spPr>
-          <a:xfrm>
-            <a:off x="838199" y="1690688"/>
-            <a:ext cx="6057275" cy="4542956"/>
-          </a:xfrm>
-        </p:spPr>
-      </p:pic>
-      <p:sp>
-        <p:nvSpPr>
-          <p:cNvPr id="6" name="Date Placeholder 5">
-            <a:extLst>
-              <a:ext uri="{FF2B5EF4-FFF2-40B4-BE49-F238E27FC236}">
-                <a16:creationId xmlns:a16="http://schemas.microsoft.com/office/drawing/2014/main" id="{1B10E31B-55CE-0B4D-9BA2-00EE3F73A2E2}"/>
+        </p:nvSpPr>
+        <p:spPr/>
+        <p:txBody>
+          <a:bodyPr>
+            <a:normAutofit fontScale="92500" lnSpcReduction="20000"/>
+          </a:bodyPr>
+          <a:lstStyle/>
+          <a:p>
+            <a:r>
+              <a:rPr lang="en-US" dirty="0"/>
+              <a:t>The Auroral Electrojet (AE) index was originally introduced by Davis and </a:t>
+            </a:r>
+            <a:r>
+              <a:rPr lang="en-US" dirty="0" err="1"/>
+              <a:t>Sugiura</a:t>
+            </a:r>
+            <a:r>
+              <a:rPr lang="en-US" dirty="0"/>
+              <a:t> in 1966 as a measure of global electrojet activity in the auroral zone. </a:t>
+            </a:r>
+          </a:p>
+          <a:p>
+            <a:r>
+              <a:rPr lang="en-US" dirty="0"/>
+              <a:t>The AU and AL indices are intended to express the strongest current intensity of the eastward and westward auroral electrojets, respectively. The AE index represents the overall activity of the electrojets, and the AO index provides a measure of the equivalent zonal current.</a:t>
+            </a:r>
+          </a:p>
+          <a:p>
+            <a:r>
+              <a:rPr lang="en-US" dirty="0"/>
+              <a:t>To describe the geomagnetic disturbances at mid-latitudes in terms of longitudinally asymmetric (</a:t>
+            </a:r>
+            <a:r>
+              <a:rPr lang="en-US" i="1" dirty="0"/>
+              <a:t>ASY</a:t>
+            </a:r>
+            <a:r>
+              <a:rPr lang="en-US" dirty="0"/>
+              <a:t>) and symmetric (</a:t>
+            </a:r>
+            <a:r>
+              <a:rPr lang="en-US" i="1" dirty="0"/>
+              <a:t>SYM</a:t>
+            </a:r>
+            <a:r>
+              <a:rPr lang="en-US" dirty="0"/>
+              <a:t>) disturbances for both </a:t>
+            </a:r>
+            <a:r>
+              <a:rPr lang="en-US" i="1" dirty="0"/>
+              <a:t>H</a:t>
+            </a:r>
+            <a:r>
+              <a:rPr lang="en-US" dirty="0"/>
+              <a:t> and </a:t>
+            </a:r>
+            <a:r>
+              <a:rPr lang="en-US" i="1" dirty="0"/>
+              <a:t>D</a:t>
+            </a:r>
+            <a:r>
+              <a:rPr lang="en-US" dirty="0"/>
+              <a:t> components respectively parallel and perpendicular to the dipole axis.</a:t>
+            </a:r>
+          </a:p>
+          <a:p>
+            <a:r>
+              <a:rPr lang="en-US" i="1" dirty="0"/>
+              <a:t>SYM-H</a:t>
+            </a:r>
+            <a:r>
+              <a:rPr lang="en-US" dirty="0"/>
+              <a:t> is essentially the same as the </a:t>
+            </a:r>
+            <a:r>
+              <a:rPr lang="en-US" i="1" dirty="0" err="1"/>
+              <a:t>Dst</a:t>
+            </a:r>
+            <a:r>
+              <a:rPr lang="en-US" dirty="0"/>
+              <a:t> index with a different time resolution.</a:t>
+            </a:r>
+          </a:p>
+        </p:txBody>
+      </p:sp>
+      <p:sp>
+        <p:nvSpPr>
+          <p:cNvPr id="4" name="Date Placeholder 3">
+            <a:extLst>
+              <a:ext uri="{FF2B5EF4-FFF2-40B4-BE49-F238E27FC236}">
+                <a16:creationId xmlns:a16="http://schemas.microsoft.com/office/drawing/2014/main" id="{7CCBEE21-E624-2648-AB06-51781AEDA32D}"/>
               </a:ext>
             </a:extLst>
           </p:cNvPr>
@@ -4352,10 +4829,10 @@
       </p:sp>
       <p:sp>
         <p:nvSpPr>
-          <p:cNvPr id="7" name="Slide Number Placeholder 6">
-            <a:extLst>
-              <a:ext uri="{FF2B5EF4-FFF2-40B4-BE49-F238E27FC236}">
-                <a16:creationId xmlns:a16="http://schemas.microsoft.com/office/drawing/2014/main" id="{0BE42B23-9A64-694C-AC34-4F72738A3A3F}"/>
+          <p:cNvPr id="5" name="Slide Number Placeholder 4">
+            <a:extLst>
+              <a:ext uri="{FF2B5EF4-FFF2-40B4-BE49-F238E27FC236}">
+                <a16:creationId xmlns:a16="http://schemas.microsoft.com/office/drawing/2014/main" id="{8A90BBD9-D368-9244-A65F-101CA16A6185}"/>
               </a:ext>
             </a:extLst>
           </p:cNvPr>
@@ -4379,63 +4856,10 @@
           </a:p>
         </p:txBody>
       </p:sp>
-      <p:sp>
-        <p:nvSpPr>
-          <p:cNvPr id="8" name="TextBox 7">
-            <a:extLst>
-              <a:ext uri="{FF2B5EF4-FFF2-40B4-BE49-F238E27FC236}">
-                <a16:creationId xmlns:a16="http://schemas.microsoft.com/office/drawing/2014/main" id="{BE700863-3B8A-3A47-B5FA-27B0D84D19AC}"/>
-              </a:ext>
-            </a:extLst>
-          </p:cNvPr>
-          <p:cNvSpPr txBox="1"/>
-          <p:nvPr/>
-        </p:nvSpPr>
-        <p:spPr>
-          <a:xfrm>
-            <a:off x="7285220" y="2038662"/>
-            <a:ext cx="4068580" cy="3693319"/>
-          </a:xfrm>
-          <a:prstGeom prst="rect">
-            <a:avLst/>
-          </a:prstGeom>
-          <a:noFill/>
-        </p:spPr>
-        <p:txBody>
-          <a:bodyPr wrap="square" rtlCol="0">
-            <a:spAutoFit/>
-          </a:bodyPr>
-          <a:lstStyle/>
-          <a:p>
-            <a:r>
-              <a:rPr lang="en-US" dirty="0"/>
-              <a:t>Passes defined by 4 &lt; L &lt; 8.</a:t>
-            </a:r>
-          </a:p>
-          <a:p>
-            <a:endParaRPr lang="en-US" dirty="0"/>
-          </a:p>
-          <a:p>
-            <a:r>
-              <a:rPr lang="en-US" dirty="0"/>
-              <a:t>Filtered out passes by the maximum of the attitude flag. Attitude flag &gt;= 100 means SAMPEX was spinning. The spin is bad for microburst detections.</a:t>
-            </a:r>
-          </a:p>
-          <a:p>
-            <a:endParaRPr lang="en-US" dirty="0"/>
-          </a:p>
-          <a:p>
-            <a:r>
-              <a:rPr lang="en-US" dirty="0"/>
-              <a:t>95% of passes are shorter than 5 minutes duration. This is typical. But 5% of passes are much longer---they occasionally happen when SAMPEX doesn’t quite exit L = 8 in the radiation belt on its pole-ward part of the orbit.</a:t>
-            </a:r>
-          </a:p>
-        </p:txBody>
-      </p:sp>
     </p:spTree>
     <p:extLst>
       <p:ext uri="{BB962C8B-B14F-4D97-AF65-F5344CB8AC3E}">
-        <p14:creationId xmlns:p14="http://schemas.microsoft.com/office/powerpoint/2010/main" val="545188612"/>
+        <p14:creationId xmlns:p14="http://schemas.microsoft.com/office/powerpoint/2010/main" val="4241442617"/>
       </p:ext>
     </p:extLst>
   </p:cSld>
@@ -4467,6 +4891,607 @@
           <p:cNvPr id="2" name="Title 1">
             <a:extLst>
               <a:ext uri="{FF2B5EF4-FFF2-40B4-BE49-F238E27FC236}">
+                <a16:creationId xmlns:a16="http://schemas.microsoft.com/office/drawing/2014/main" id="{351F49E3-0C17-3D4F-9656-0AB435700252}"/>
+              </a:ext>
+            </a:extLst>
+          </p:cNvPr>
+          <p:cNvSpPr>
+            <a:spLocks noGrp="1"/>
+          </p:cNvSpPr>
+          <p:nvPr>
+            <p:ph type="title"/>
+          </p:nvPr>
+        </p:nvSpPr>
+        <p:spPr/>
+        <p:txBody>
+          <a:bodyPr/>
+          <a:lstStyle/>
+          <a:p>
+            <a:r>
+              <a:rPr lang="en-US" dirty="0"/>
+              <a:t>Step 1: 2997-2012 radiation belt passes</a:t>
+            </a:r>
+          </a:p>
+        </p:txBody>
+      </p:sp>
+      <p:pic>
+        <p:nvPicPr>
+          <p:cNvPr id="5" name="Content Placeholder 4">
+            <a:extLst>
+              <a:ext uri="{FF2B5EF4-FFF2-40B4-BE49-F238E27FC236}">
+                <a16:creationId xmlns:a16="http://schemas.microsoft.com/office/drawing/2014/main" id="{E33CD820-DC87-0241-950A-FA6B7458D560}"/>
+              </a:ext>
+            </a:extLst>
+          </p:cNvPr>
+          <p:cNvPicPr>
+            <a:picLocks noGrp="1" noChangeAspect="1"/>
+          </p:cNvPicPr>
+          <p:nvPr>
+            <p:ph idx="1"/>
+          </p:nvPr>
+        </p:nvPicPr>
+        <p:blipFill>
+          <a:blip r:embed="rId2"/>
+          <a:stretch>
+            <a:fillRect/>
+          </a:stretch>
+        </p:blipFill>
+        <p:spPr>
+          <a:xfrm>
+            <a:off x="838199" y="1690688"/>
+            <a:ext cx="6057275" cy="4542956"/>
+          </a:xfrm>
+        </p:spPr>
+      </p:pic>
+      <p:sp>
+        <p:nvSpPr>
+          <p:cNvPr id="6" name="Date Placeholder 5">
+            <a:extLst>
+              <a:ext uri="{FF2B5EF4-FFF2-40B4-BE49-F238E27FC236}">
+                <a16:creationId xmlns:a16="http://schemas.microsoft.com/office/drawing/2014/main" id="{1B10E31B-55CE-0B4D-9BA2-00EE3F73A2E2}"/>
+              </a:ext>
+            </a:extLst>
+          </p:cNvPr>
+          <p:cNvSpPr>
+            <a:spLocks noGrp="1"/>
+          </p:cNvSpPr>
+          <p:nvPr>
+            <p:ph type="dt" sz="half" idx="10"/>
+          </p:nvPr>
+        </p:nvSpPr>
+        <p:spPr/>
+        <p:txBody>
+          <a:bodyPr/>
+          <a:lstStyle/>
+          <a:p>
+            <a:r>
+              <a:rPr lang="en-US"/>
+              <a:t>10 November 2021</a:t>
+            </a:r>
+          </a:p>
+        </p:txBody>
+      </p:sp>
+      <p:sp>
+        <p:nvSpPr>
+          <p:cNvPr id="7" name="Slide Number Placeholder 6">
+            <a:extLst>
+              <a:ext uri="{FF2B5EF4-FFF2-40B4-BE49-F238E27FC236}">
+                <a16:creationId xmlns:a16="http://schemas.microsoft.com/office/drawing/2014/main" id="{0BE42B23-9A64-694C-AC34-4F72738A3A3F}"/>
+              </a:ext>
+            </a:extLst>
+          </p:cNvPr>
+          <p:cNvSpPr>
+            <a:spLocks noGrp="1"/>
+          </p:cNvSpPr>
+          <p:nvPr>
+            <p:ph type="sldNum" sz="quarter" idx="12"/>
+          </p:nvPr>
+        </p:nvSpPr>
+        <p:spPr/>
+        <p:txBody>
+          <a:bodyPr/>
+          <a:lstStyle/>
+          <a:p>
+            <a:fld id="{25C7EC90-9A2B-9547-9252-1EE4E1D5B166}" type="slidenum">
+              <a:rPr lang="en-US" smtClean="0"/>
+              <a:t>5</a:t>
+            </a:fld>
+            <a:endParaRPr lang="en-US"/>
+          </a:p>
+        </p:txBody>
+      </p:sp>
+      <p:sp>
+        <p:nvSpPr>
+          <p:cNvPr id="8" name="TextBox 7">
+            <a:extLst>
+              <a:ext uri="{FF2B5EF4-FFF2-40B4-BE49-F238E27FC236}">
+                <a16:creationId xmlns:a16="http://schemas.microsoft.com/office/drawing/2014/main" id="{BE700863-3B8A-3A47-B5FA-27B0D84D19AC}"/>
+              </a:ext>
+            </a:extLst>
+          </p:cNvPr>
+          <p:cNvSpPr txBox="1"/>
+          <p:nvPr/>
+        </p:nvSpPr>
+        <p:spPr>
+          <a:xfrm>
+            <a:off x="7285220" y="2038662"/>
+            <a:ext cx="4068580" cy="3693319"/>
+          </a:xfrm>
+          <a:prstGeom prst="rect">
+            <a:avLst/>
+          </a:prstGeom>
+          <a:noFill/>
+        </p:spPr>
+        <p:txBody>
+          <a:bodyPr wrap="square" rtlCol="0">
+            <a:spAutoFit/>
+          </a:bodyPr>
+          <a:lstStyle/>
+          <a:p>
+            <a:r>
+              <a:rPr lang="en-US" dirty="0"/>
+              <a:t>Passes defined by 4 &lt; L &lt; 8.</a:t>
+            </a:r>
+          </a:p>
+          <a:p>
+            <a:endParaRPr lang="en-US" dirty="0"/>
+          </a:p>
+          <a:p>
+            <a:r>
+              <a:rPr lang="en-US" dirty="0"/>
+              <a:t>Filtered out passes by the maximum of the attitude flag. Attitude flag &gt;= 100 means SAMPEX was spinning. The spin is bad for microburst detections.</a:t>
+            </a:r>
+          </a:p>
+          <a:p>
+            <a:endParaRPr lang="en-US" dirty="0"/>
+          </a:p>
+          <a:p>
+            <a:r>
+              <a:rPr lang="en-US" dirty="0"/>
+              <a:t>95% of passes are shorter than 5 minutes duration. This is typical. But 5% of passes are much longer---they occasionally happen when SAMPEX doesn’t quite exit L = 8 in the radiation belt on its pole-ward part of the orbit.</a:t>
+            </a:r>
+          </a:p>
+        </p:txBody>
+      </p:sp>
+    </p:spTree>
+    <p:extLst>
+      <p:ext uri="{BB962C8B-B14F-4D97-AF65-F5344CB8AC3E}">
+        <p14:creationId xmlns:p14="http://schemas.microsoft.com/office/powerpoint/2010/main" val="545188612"/>
+      </p:ext>
+    </p:extLst>
+  </p:cSld>
+  <p:clrMapOvr>
+    <a:masterClrMapping/>
+  </p:clrMapOvr>
+</p:sld>
+</file>
+
+<file path=ppt/slides/slide6.xml><?xml version="1.0" encoding="utf-8"?>
+<p:sld xmlns:a="http://schemas.openxmlformats.org/drawingml/2006/main" xmlns:r="http://schemas.openxmlformats.org/officeDocument/2006/relationships" xmlns:p="http://schemas.openxmlformats.org/presentationml/2006/main">
+  <p:cSld>
+    <p:spTree>
+      <p:nvGrpSpPr>
+        <p:cNvPr id="1" name=""/>
+        <p:cNvGrpSpPr/>
+        <p:nvPr/>
+      </p:nvGrpSpPr>
+      <p:grpSpPr>
+        <a:xfrm>
+          <a:off x="0" y="0"/>
+          <a:ext cx="0" cy="0"/>
+          <a:chOff x="0" y="0"/>
+          <a:chExt cx="0" cy="0"/>
+        </a:xfrm>
+      </p:grpSpPr>
+      <mc:AlternateContent xmlns:mc="http://schemas.openxmlformats.org/markup-compatibility/2006">
+        <mc:Choice xmlns:a14="http://schemas.microsoft.com/office/drawing/2010/main" Requires="a14">
+          <p:sp>
+            <p:nvSpPr>
+              <p:cNvPr id="3" name="Content Placeholder 2">
+                <a:extLst>
+                  <a:ext uri="{FF2B5EF4-FFF2-40B4-BE49-F238E27FC236}">
+                    <a16:creationId xmlns:a16="http://schemas.microsoft.com/office/drawing/2014/main" id="{05718CE0-3110-6F4E-928C-5411DC237C70}"/>
+                  </a:ext>
+                </a:extLst>
+              </p:cNvPr>
+              <p:cNvSpPr>
+                <a:spLocks noGrp="1"/>
+              </p:cNvSpPr>
+              <p:nvPr>
+                <p:ph idx="1"/>
+              </p:nvPr>
+            </p:nvSpPr>
+            <p:spPr/>
+            <p:txBody>
+              <a:bodyPr>
+                <a:normAutofit/>
+              </a:bodyPr>
+              <a:lstStyle/>
+              <a:p>
+                <a:pPr marL="0" indent="0">
+                  <a:buNone/>
+                </a:pPr>
+                <a14:m>
+                  <m:oMathPara xmlns:m="http://schemas.openxmlformats.org/officeDocument/2006/math">
+                    <m:oMathParaPr>
+                      <m:jc m:val="centerGroup"/>
+                    </m:oMathParaPr>
+                    <m:oMath xmlns:m="http://schemas.openxmlformats.org/officeDocument/2006/math">
+                      <m:r>
+                        <a:rPr lang="en-US" sz="2400" i="1" dirty="0" smtClean="0">
+                          <a:latin typeface="Cambria Math" panose="02040503050406030204" pitchFamily="18" charset="0"/>
+                        </a:rPr>
+                        <m:t>𝑚</m:t>
+                      </m:r>
+                      <m:r>
+                        <a:rPr lang="en-US" sz="2400" i="1" dirty="0" smtClean="0">
+                          <a:latin typeface="Cambria Math" panose="02040503050406030204" pitchFamily="18" charset="0"/>
+                        </a:rPr>
+                        <m:t>𝑖𝑐𝑟𝑜𝑏𝑢𝑟𝑠𝑡</m:t>
+                      </m:r>
+                      <m:r>
+                        <a:rPr lang="en-US" sz="2400" i="1" dirty="0" smtClean="0">
+                          <a:latin typeface="Cambria Math" panose="02040503050406030204" pitchFamily="18" charset="0"/>
+                        </a:rPr>
+                        <m:t> </m:t>
+                      </m:r>
+                      <m:r>
+                        <a:rPr lang="en-US" sz="2400" i="1" dirty="0" smtClean="0">
+                          <a:latin typeface="Cambria Math" panose="02040503050406030204" pitchFamily="18" charset="0"/>
+                        </a:rPr>
+                        <m:t>𝑜𝑐𝑐𝑢𝑟𝑟𝑒𝑛𝑐𝑒</m:t>
+                      </m:r>
+                      <m:r>
+                        <a:rPr lang="en-US" sz="2400" i="1" dirty="0" smtClean="0">
+                          <a:latin typeface="Cambria Math" panose="02040503050406030204" pitchFamily="18" charset="0"/>
+                        </a:rPr>
+                        <m:t> = </m:t>
+                      </m:r>
+                      <m:f>
+                        <m:fPr>
+                          <m:ctrlPr>
+                            <a:rPr lang="en-US" sz="2400" i="1" dirty="0" smtClean="0">
+                              <a:latin typeface="Cambria Math" panose="02040503050406030204" pitchFamily="18" charset="0"/>
+                            </a:rPr>
+                          </m:ctrlPr>
+                        </m:fPr>
+                        <m:num>
+                          <m:r>
+                            <a:rPr lang="en-US" sz="2400" i="1" dirty="0" smtClean="0">
+                              <a:latin typeface="Cambria Math" panose="02040503050406030204" pitchFamily="18" charset="0"/>
+                            </a:rPr>
+                            <m:t>𝑛𝑢𝑚𝑏𝑒𝑟</m:t>
+                          </m:r>
+                          <m:r>
+                            <a:rPr lang="en-US" sz="2400" i="1" dirty="0" smtClean="0">
+                              <a:latin typeface="Cambria Math" panose="02040503050406030204" pitchFamily="18" charset="0"/>
+                            </a:rPr>
+                            <m:t> </m:t>
+                          </m:r>
+                          <m:r>
+                            <a:rPr lang="en-US" sz="2400" i="1" dirty="0" smtClean="0">
+                              <a:latin typeface="Cambria Math" panose="02040503050406030204" pitchFamily="18" charset="0"/>
+                            </a:rPr>
+                            <m:t>𝑜𝑓</m:t>
+                          </m:r>
+                          <m:r>
+                            <a:rPr lang="en-US" sz="2400" i="1" dirty="0" smtClean="0">
+                              <a:latin typeface="Cambria Math" panose="02040503050406030204" pitchFamily="18" charset="0"/>
+                            </a:rPr>
+                            <m:t> </m:t>
+                          </m:r>
+                          <m:r>
+                            <a:rPr lang="en-US" sz="2400" i="1" dirty="0" smtClean="0">
+                              <a:latin typeface="Cambria Math" panose="02040503050406030204" pitchFamily="18" charset="0"/>
+                            </a:rPr>
+                            <m:t>𝑚𝑖𝑐𝑟𝑜𝑏𝑢𝑟𝑠𝑡𝑠</m:t>
+                          </m:r>
+                          <m:r>
+                            <a:rPr lang="en-US" sz="2400" i="1" dirty="0" smtClean="0">
+                              <a:latin typeface="Cambria Math" panose="02040503050406030204" pitchFamily="18" charset="0"/>
+                            </a:rPr>
+                            <m:t> </m:t>
+                          </m:r>
+                          <m:r>
+                            <a:rPr lang="en-US" sz="2400" i="1" dirty="0" smtClean="0">
+                              <a:latin typeface="Cambria Math" panose="02040503050406030204" pitchFamily="18" charset="0"/>
+                            </a:rPr>
+                            <m:t>𝑜𝑏𝑠𝑒𝑟𝑣𝑒𝑑</m:t>
+                          </m:r>
+                          <m:r>
+                            <a:rPr lang="en-US" sz="2400" i="1" dirty="0" smtClean="0">
+                              <a:latin typeface="Cambria Math" panose="02040503050406030204" pitchFamily="18" charset="0"/>
+                            </a:rPr>
+                            <m:t> </m:t>
+                          </m:r>
+                          <m:r>
+                            <a:rPr lang="en-US" sz="2400" i="1" dirty="0" smtClean="0">
+                              <a:latin typeface="Cambria Math" panose="02040503050406030204" pitchFamily="18" charset="0"/>
+                            </a:rPr>
+                            <m:t>𝑖𝑛</m:t>
+                          </m:r>
+                          <m:r>
+                            <a:rPr lang="en-US" sz="2400" i="1" dirty="0" smtClean="0">
+                              <a:latin typeface="Cambria Math" panose="02040503050406030204" pitchFamily="18" charset="0"/>
+                            </a:rPr>
+                            <m:t> </m:t>
+                          </m:r>
+                          <m:r>
+                            <a:rPr lang="en-US" sz="2400" i="1" dirty="0" smtClean="0">
+                              <a:latin typeface="Cambria Math" panose="02040503050406030204" pitchFamily="18" charset="0"/>
+                            </a:rPr>
+                            <m:t>𝑒𝑎𝑐h</m:t>
+                          </m:r>
+                          <m:r>
+                            <a:rPr lang="en-US" sz="2400" i="1" dirty="0" smtClean="0">
+                              <a:latin typeface="Cambria Math" panose="02040503050406030204" pitchFamily="18" charset="0"/>
+                            </a:rPr>
+                            <m:t> </m:t>
+                          </m:r>
+                          <m:r>
+                            <a:rPr lang="en-US" sz="2400" i="1" dirty="0" smtClean="0">
+                              <a:latin typeface="Cambria Math" panose="02040503050406030204" pitchFamily="18" charset="0"/>
+                            </a:rPr>
+                            <m:t>𝑝𝑎𝑠𝑠</m:t>
+                          </m:r>
+                        </m:num>
+                        <m:den>
+                          <m:r>
+                            <a:rPr lang="en-US" sz="2400" i="1" dirty="0" smtClean="0">
+                              <a:latin typeface="Cambria Math" panose="02040503050406030204" pitchFamily="18" charset="0"/>
+                            </a:rPr>
+                            <m:t>𝑝𝑎𝑠𝑠</m:t>
+                          </m:r>
+                          <m:r>
+                            <a:rPr lang="en-US" sz="2400" i="1" dirty="0" smtClean="0">
+                              <a:latin typeface="Cambria Math" panose="02040503050406030204" pitchFamily="18" charset="0"/>
+                            </a:rPr>
+                            <m:t> </m:t>
+                          </m:r>
+                          <m:r>
+                            <a:rPr lang="en-US" sz="2400" i="1" dirty="0" smtClean="0">
+                              <a:latin typeface="Cambria Math" panose="02040503050406030204" pitchFamily="18" charset="0"/>
+                            </a:rPr>
+                            <m:t>𝑑𝑢𝑟𝑎𝑡𝑖𝑜𝑛</m:t>
+                          </m:r>
+                        </m:den>
+                      </m:f>
+                    </m:oMath>
+                  </m:oMathPara>
+                </a14:m>
+                <a:endParaRPr lang="en-US" sz="2400" dirty="0"/>
+              </a:p>
+              <a:p>
+                <a:pPr marL="0" indent="0">
+                  <a:buNone/>
+                </a:pPr>
+                <a:endParaRPr lang="en-US" sz="2400" dirty="0"/>
+              </a:p>
+              <a:p>
+                <a:pPr marL="0" indent="0">
+                  <a:buNone/>
+                </a:pPr>
+                <a14:m>
+                  <m:oMathPara xmlns:m="http://schemas.openxmlformats.org/officeDocument/2006/math">
+                    <m:oMathParaPr>
+                      <m:jc m:val="centerGroup"/>
+                    </m:oMathParaPr>
+                    <m:oMath xmlns:m="http://schemas.openxmlformats.org/officeDocument/2006/math">
+                      <m:r>
+                        <a:rPr lang="en-US" sz="2400" i="1" dirty="0" smtClean="0">
+                          <a:latin typeface="Cambria Math" panose="02040503050406030204" pitchFamily="18" charset="0"/>
+                        </a:rPr>
+                        <m:t>𝑝𝑎𝑠𝑠</m:t>
+                      </m:r>
+                      <m:r>
+                        <a:rPr lang="en-US" sz="2400" i="1" dirty="0" smtClean="0">
+                          <a:latin typeface="Cambria Math" panose="02040503050406030204" pitchFamily="18" charset="0"/>
+                        </a:rPr>
+                        <m:t>= </m:t>
+                      </m:r>
+                      <m:r>
+                        <a:rPr lang="en-US" sz="2400" i="1" dirty="0" smtClean="0">
+                          <a:latin typeface="Cambria Math" panose="02040503050406030204" pitchFamily="18" charset="0"/>
+                        </a:rPr>
+                        <m:t>𝑟𝑎𝑑𝑖𝑎𝑡𝑖𝑜𝑛</m:t>
+                      </m:r>
+                      <m:r>
+                        <a:rPr lang="en-US" sz="2400" i="1" dirty="0" smtClean="0">
+                          <a:latin typeface="Cambria Math" panose="02040503050406030204" pitchFamily="18" charset="0"/>
+                        </a:rPr>
+                        <m:t> </m:t>
+                      </m:r>
+                      <m:r>
+                        <a:rPr lang="en-US" sz="2400" i="1" dirty="0" smtClean="0">
+                          <a:latin typeface="Cambria Math" panose="02040503050406030204" pitchFamily="18" charset="0"/>
+                        </a:rPr>
+                        <m:t>𝑏𝑒𝑙𝑡</m:t>
+                      </m:r>
+                      <m:r>
+                        <a:rPr lang="en-US" sz="2400" i="1" dirty="0" smtClean="0">
+                          <a:latin typeface="Cambria Math" panose="02040503050406030204" pitchFamily="18" charset="0"/>
+                        </a:rPr>
+                        <m:t> </m:t>
+                      </m:r>
+                      <m:r>
+                        <a:rPr lang="en-US" sz="2400" i="1" dirty="0" smtClean="0">
+                          <a:latin typeface="Cambria Math" panose="02040503050406030204" pitchFamily="18" charset="0"/>
+                        </a:rPr>
+                        <m:t>𝑝𝑎𝑠𝑠</m:t>
+                      </m:r>
+                    </m:oMath>
+                  </m:oMathPara>
+                </a14:m>
+                <a:endParaRPr lang="en-US" sz="2400" dirty="0"/>
+              </a:p>
+            </p:txBody>
+          </p:sp>
+        </mc:Choice>
+        <mc:Fallback>
+          <p:sp>
+            <p:nvSpPr>
+              <p:cNvPr id="3" name="Content Placeholder 2">
+                <a:extLst>
+                  <a:ext uri="{FF2B5EF4-FFF2-40B4-BE49-F238E27FC236}">
+                    <a16:creationId xmlns:a16="http://schemas.microsoft.com/office/drawing/2014/main" id="{05718CE0-3110-6F4E-928C-5411DC237C70}"/>
+                  </a:ext>
+                </a:extLst>
+              </p:cNvPr>
+              <p:cNvSpPr>
+                <a:spLocks noGrp="1" noRot="1" noChangeAspect="1" noMove="1" noResize="1" noEditPoints="1" noAdjustHandles="1" noChangeArrowheads="1" noChangeShapeType="1" noTextEdit="1"/>
+              </p:cNvSpPr>
+              <p:nvPr>
+                <p:ph idx="1"/>
+              </p:nvPr>
+            </p:nvSpPr>
+            <p:spPr>
+              <a:blipFill>
+                <a:blip r:embed="rId2"/>
+                <a:stretch>
+                  <a:fillRect t="-1453"/>
+                </a:stretch>
+              </a:blipFill>
+            </p:spPr>
+            <p:txBody>
+              <a:bodyPr/>
+              <a:lstStyle/>
+              <a:p>
+                <a:r>
+                  <a:rPr lang="en-US">
+                    <a:noFill/>
+                  </a:rPr>
+                  <a:t> </a:t>
+                </a:r>
+              </a:p>
+            </p:txBody>
+          </p:sp>
+        </mc:Fallback>
+      </mc:AlternateContent>
+      <p:sp>
+        <p:nvSpPr>
+          <p:cNvPr id="4" name="Date Placeholder 3">
+            <a:extLst>
+              <a:ext uri="{FF2B5EF4-FFF2-40B4-BE49-F238E27FC236}">
+                <a16:creationId xmlns:a16="http://schemas.microsoft.com/office/drawing/2014/main" id="{9DAAEAD9-503E-BA42-815B-36EF3FD4B159}"/>
+              </a:ext>
+            </a:extLst>
+          </p:cNvPr>
+          <p:cNvSpPr>
+            <a:spLocks noGrp="1"/>
+          </p:cNvSpPr>
+          <p:nvPr>
+            <p:ph type="dt" sz="half" idx="10"/>
+          </p:nvPr>
+        </p:nvSpPr>
+        <p:spPr/>
+        <p:txBody>
+          <a:bodyPr/>
+          <a:lstStyle/>
+          <a:p>
+            <a:r>
+              <a:rPr lang="en-US"/>
+              <a:t>10 November 2021</a:t>
+            </a:r>
+          </a:p>
+        </p:txBody>
+      </p:sp>
+      <p:sp>
+        <p:nvSpPr>
+          <p:cNvPr id="5" name="Slide Number Placeholder 4">
+            <a:extLst>
+              <a:ext uri="{FF2B5EF4-FFF2-40B4-BE49-F238E27FC236}">
+                <a16:creationId xmlns:a16="http://schemas.microsoft.com/office/drawing/2014/main" id="{10FEDC5A-590E-0A4C-AD52-B3004C6ABE20}"/>
+              </a:ext>
+            </a:extLst>
+          </p:cNvPr>
+          <p:cNvSpPr>
+            <a:spLocks noGrp="1"/>
+          </p:cNvSpPr>
+          <p:nvPr>
+            <p:ph type="sldNum" sz="quarter" idx="12"/>
+          </p:nvPr>
+        </p:nvSpPr>
+        <p:spPr/>
+        <p:txBody>
+          <a:bodyPr/>
+          <a:lstStyle/>
+          <a:p>
+            <a:fld id="{25C7EC90-9A2B-9547-9252-1EE4E1D5B166}" type="slidenum">
+              <a:rPr lang="en-US" smtClean="0"/>
+              <a:t>6</a:t>
+            </a:fld>
+            <a:endParaRPr lang="en-US"/>
+          </a:p>
+        </p:txBody>
+      </p:sp>
+      <p:sp>
+        <p:nvSpPr>
+          <p:cNvPr id="6" name="Title 1">
+            <a:extLst>
+              <a:ext uri="{FF2B5EF4-FFF2-40B4-BE49-F238E27FC236}">
+                <a16:creationId xmlns:a16="http://schemas.microsoft.com/office/drawing/2014/main" id="{F834131E-F11F-E944-AE93-DAFA30BF1F4E}"/>
+              </a:ext>
+            </a:extLst>
+          </p:cNvPr>
+          <p:cNvSpPr>
+            <a:spLocks noGrp="1"/>
+          </p:cNvSpPr>
+          <p:nvPr>
+            <p:ph type="title"/>
+          </p:nvPr>
+        </p:nvSpPr>
+        <p:spPr>
+          <a:xfrm>
+            <a:off x="838200" y="365125"/>
+            <a:ext cx="10515600" cy="1325563"/>
+          </a:xfrm>
+        </p:spPr>
+        <p:txBody>
+          <a:bodyPr/>
+          <a:lstStyle/>
+          <a:p>
+            <a:r>
+              <a:rPr lang="en-US" dirty="0"/>
+              <a:t>Step 2: Microburst occurrence in each pass</a:t>
+            </a:r>
+          </a:p>
+        </p:txBody>
+      </p:sp>
+    </p:spTree>
+    <p:extLst>
+      <p:ext uri="{BB962C8B-B14F-4D97-AF65-F5344CB8AC3E}">
+        <p14:creationId xmlns:p14="http://schemas.microsoft.com/office/powerpoint/2010/main" val="2996894344"/>
+      </p:ext>
+    </p:extLst>
+  </p:cSld>
+  <p:clrMapOvr>
+    <a:masterClrMapping/>
+  </p:clrMapOvr>
+</p:sld>
+</file>
+
+<file path=ppt/slides/slide7.xml><?xml version="1.0" encoding="utf-8"?>
+<p:sld xmlns:a="http://schemas.openxmlformats.org/drawingml/2006/main" xmlns:r="http://schemas.openxmlformats.org/officeDocument/2006/relationships" xmlns:p="http://schemas.openxmlformats.org/presentationml/2006/main">
+  <p:cSld>
+    <p:spTree>
+      <p:nvGrpSpPr>
+        <p:cNvPr id="1" name=""/>
+        <p:cNvGrpSpPr/>
+        <p:nvPr/>
+      </p:nvGrpSpPr>
+      <p:grpSpPr>
+        <a:xfrm>
+          <a:off x="0" y="0"/>
+          <a:ext cx="0" cy="0"/>
+          <a:chOff x="0" y="0"/>
+          <a:chExt cx="0" cy="0"/>
+        </a:xfrm>
+      </p:grpSpPr>
+      <p:sp>
+        <p:nvSpPr>
+          <p:cNvPr id="2" name="Title 1">
+            <a:extLst>
+              <a:ext uri="{FF2B5EF4-FFF2-40B4-BE49-F238E27FC236}">
                 <a16:creationId xmlns:a16="http://schemas.microsoft.com/office/drawing/2014/main" id="{23898609-8547-0F4B-863A-BEDBD1FDF7B1}"/>
               </a:ext>
             </a:extLst>
@@ -4570,7 +5595,7 @@
           <a:p>
             <a:fld id="{25C7EC90-9A2B-9547-9252-1EE4E1D5B166}" type="slidenum">
               <a:rPr lang="en-US" smtClean="0"/>
-              <a:t>5</a:t>
+              <a:t>7</a:t>
             </a:fld>
             <a:endParaRPr lang="en-US"/>
           </a:p>
@@ -4720,7 +5745,7 @@
 </p:sld>
 </file>
 
-<file path=ppt/slides/slide6.xml><?xml version="1.0" encoding="utf-8"?>
+<file path=ppt/slides/slide8.xml><?xml version="1.0" encoding="utf-8"?>
 <p:sld xmlns:a="http://schemas.openxmlformats.org/drawingml/2006/main" xmlns:r="http://schemas.openxmlformats.org/officeDocument/2006/relationships" xmlns:p="http://schemas.openxmlformats.org/presentationml/2006/main">
   <p:cSld>
     <p:spTree>
@@ -4844,7 +5869,7 @@
           <a:p>
             <a:fld id="{25C7EC90-9A2B-9547-9252-1EE4E1D5B166}" type="slidenum">
               <a:rPr lang="en-US" smtClean="0"/>
-              <a:t>6</a:t>
+              <a:t>8</a:t>
             </a:fld>
             <a:endParaRPr lang="en-US"/>
           </a:p>
@@ -4994,7 +6019,7 @@
 </p:sld>
 </file>
 
-<file path=ppt/slides/slide7.xml><?xml version="1.0" encoding="utf-8"?>
+<file path=ppt/slides/slide9.xml><?xml version="1.0" encoding="utf-8"?>
 <p:sld xmlns:a="http://schemas.openxmlformats.org/drawingml/2006/main" xmlns:r="http://schemas.openxmlformats.org/officeDocument/2006/relationships" xmlns:p="http://schemas.openxmlformats.org/presentationml/2006/main">
   <p:cSld>
     <p:spTree>
@@ -5118,7 +6143,7 @@
           <a:p>
             <a:fld id="{25C7EC90-9A2B-9547-9252-1EE4E1D5B166}" type="slidenum">
               <a:rPr lang="en-US" smtClean="0"/>
-              <a:t>7</a:t>
+              <a:t>9</a:t>
             </a:fld>
             <a:endParaRPr lang="en-US"/>
           </a:p>
@@ -5259,399 +6284,6 @@
     <p:extLst>
       <p:ext uri="{BB962C8B-B14F-4D97-AF65-F5344CB8AC3E}">
         <p14:creationId xmlns:p14="http://schemas.microsoft.com/office/powerpoint/2010/main" val="3574028485"/>
-      </p:ext>
-    </p:extLst>
-  </p:cSld>
-  <p:clrMapOvr>
-    <a:masterClrMapping/>
-  </p:clrMapOvr>
-</p:sld>
-</file>
-
-<file path=ppt/slides/slide8.xml><?xml version="1.0" encoding="utf-8"?>
-<p:sld xmlns:a="http://schemas.openxmlformats.org/drawingml/2006/main" xmlns:r="http://schemas.openxmlformats.org/officeDocument/2006/relationships" xmlns:p="http://schemas.openxmlformats.org/presentationml/2006/main">
-  <p:cSld>
-    <p:spTree>
-      <p:nvGrpSpPr>
-        <p:cNvPr id="1" name=""/>
-        <p:cNvGrpSpPr/>
-        <p:nvPr/>
-      </p:nvGrpSpPr>
-      <p:grpSpPr>
-        <a:xfrm>
-          <a:off x="0" y="0"/>
-          <a:ext cx="0" cy="0"/>
-          <a:chOff x="0" y="0"/>
-          <a:chExt cx="0" cy="0"/>
-        </a:xfrm>
-      </p:grpSpPr>
-      <p:sp>
-        <p:nvSpPr>
-          <p:cNvPr id="2" name="Title 1">
-            <a:extLst>
-              <a:ext uri="{FF2B5EF4-FFF2-40B4-BE49-F238E27FC236}">
-                <a16:creationId xmlns:a16="http://schemas.microsoft.com/office/drawing/2014/main" id="{8C1723ED-6211-A643-95FE-C566BD4AC9AC}"/>
-              </a:ext>
-            </a:extLst>
-          </p:cNvPr>
-          <p:cNvSpPr>
-            <a:spLocks noGrp="1"/>
-          </p:cNvSpPr>
-          <p:nvPr>
-            <p:ph type="title"/>
-          </p:nvPr>
-        </p:nvSpPr>
-        <p:spPr/>
-        <p:txBody>
-          <a:bodyPr/>
-          <a:lstStyle/>
-          <a:p>
-            <a:r>
-              <a:rPr lang="en-US" dirty="0"/>
-              <a:t>Step 3: Append Indices</a:t>
-            </a:r>
-          </a:p>
-        </p:txBody>
-      </p:sp>
-      <p:sp>
-        <p:nvSpPr>
-          <p:cNvPr id="4" name="Date Placeholder 3">
-            <a:extLst>
-              <a:ext uri="{FF2B5EF4-FFF2-40B4-BE49-F238E27FC236}">
-                <a16:creationId xmlns:a16="http://schemas.microsoft.com/office/drawing/2014/main" id="{68C693D4-5E74-BF4E-AA00-F4A5C8E99F93}"/>
-              </a:ext>
-            </a:extLst>
-          </p:cNvPr>
-          <p:cNvSpPr>
-            <a:spLocks noGrp="1"/>
-          </p:cNvSpPr>
-          <p:nvPr>
-            <p:ph type="dt" sz="half" idx="10"/>
-          </p:nvPr>
-        </p:nvSpPr>
-        <p:spPr/>
-        <p:txBody>
-          <a:bodyPr/>
-          <a:lstStyle/>
-          <a:p>
-            <a:r>
-              <a:rPr lang="en-US"/>
-              <a:t>10 November 2021</a:t>
-            </a:r>
-          </a:p>
-        </p:txBody>
-      </p:sp>
-      <p:sp>
-        <p:nvSpPr>
-          <p:cNvPr id="5" name="Slide Number Placeholder 4">
-            <a:extLst>
-              <a:ext uri="{FF2B5EF4-FFF2-40B4-BE49-F238E27FC236}">
-                <a16:creationId xmlns:a16="http://schemas.microsoft.com/office/drawing/2014/main" id="{02824074-17D8-1149-BFB0-7C6E01588646}"/>
-              </a:ext>
-            </a:extLst>
-          </p:cNvPr>
-          <p:cNvSpPr>
-            <a:spLocks noGrp="1"/>
-          </p:cNvSpPr>
-          <p:nvPr>
-            <p:ph type="sldNum" sz="quarter" idx="12"/>
-          </p:nvPr>
-        </p:nvSpPr>
-        <p:spPr/>
-        <p:txBody>
-          <a:bodyPr/>
-          <a:lstStyle/>
-          <a:p>
-            <a:fld id="{25C7EC90-9A2B-9547-9252-1EE4E1D5B166}" type="slidenum">
-              <a:rPr lang="en-US" smtClean="0"/>
-              <a:t>8</a:t>
-            </a:fld>
-            <a:endParaRPr lang="en-US"/>
-          </a:p>
-        </p:txBody>
-      </p:sp>
-      <p:pic>
-        <p:nvPicPr>
-          <p:cNvPr id="11" name="Content Placeholder 10">
-            <a:extLst>
-              <a:ext uri="{FF2B5EF4-FFF2-40B4-BE49-F238E27FC236}">
-                <a16:creationId xmlns:a16="http://schemas.microsoft.com/office/drawing/2014/main" id="{27528DFB-D25F-234A-824A-F0A85D30ED2F}"/>
-              </a:ext>
-            </a:extLst>
-          </p:cNvPr>
-          <p:cNvPicPr>
-            <a:picLocks noGrp="1" noChangeAspect="1"/>
-          </p:cNvPicPr>
-          <p:nvPr>
-            <p:ph idx="1"/>
-          </p:nvPr>
-        </p:nvPicPr>
-        <p:blipFill>
-          <a:blip r:embed="rId2"/>
-          <a:stretch>
-            <a:fillRect/>
-          </a:stretch>
-        </p:blipFill>
-        <p:spPr>
-          <a:xfrm>
-            <a:off x="298556" y="1555802"/>
-            <a:ext cx="8702676" cy="4351338"/>
-          </a:xfrm>
-        </p:spPr>
-      </p:pic>
-      <p:sp>
-        <p:nvSpPr>
-          <p:cNvPr id="12" name="TextBox 11">
-            <a:extLst>
-              <a:ext uri="{FF2B5EF4-FFF2-40B4-BE49-F238E27FC236}">
-                <a16:creationId xmlns:a16="http://schemas.microsoft.com/office/drawing/2014/main" id="{39AD2ECE-EC76-2E41-B726-7494328CA74D}"/>
-              </a:ext>
-            </a:extLst>
-          </p:cNvPr>
-          <p:cNvSpPr txBox="1"/>
-          <p:nvPr/>
-        </p:nvSpPr>
-        <p:spPr>
-          <a:xfrm>
-            <a:off x="7547184" y="3876492"/>
-            <a:ext cx="3987384" cy="2585323"/>
-          </a:xfrm>
-          <a:prstGeom prst="rect">
-            <a:avLst/>
-          </a:prstGeom>
-          <a:noFill/>
-        </p:spPr>
-        <p:txBody>
-          <a:bodyPr wrap="square" rtlCol="0">
-            <a:spAutoFit/>
-          </a:bodyPr>
-          <a:lstStyle/>
-          <a:p>
-            <a:r>
-              <a:rPr lang="en-US" dirty="0"/>
-              <a:t>To my surprise, I don’t see any significant trends in any of these indices and the microburst rate.</a:t>
-            </a:r>
-          </a:p>
-          <a:p>
-            <a:endParaRPr lang="en-US" dirty="0"/>
-          </a:p>
-          <a:p>
-            <a:r>
-              <a:rPr lang="en-US" dirty="0"/>
-              <a:t>Is there a better way to calculate microburst occurrence rate?</a:t>
-            </a:r>
-          </a:p>
-          <a:p>
-            <a:endParaRPr lang="en-US" dirty="0"/>
-          </a:p>
-          <a:p>
-            <a:r>
-              <a:rPr lang="en-US" dirty="0"/>
-              <a:t>Maybe this is where the rate of change of this indices will be more illuminating.</a:t>
-            </a:r>
-          </a:p>
-        </p:txBody>
-      </p:sp>
-    </p:spTree>
-    <p:extLst>
-      <p:ext uri="{BB962C8B-B14F-4D97-AF65-F5344CB8AC3E}">
-        <p14:creationId xmlns:p14="http://schemas.microsoft.com/office/powerpoint/2010/main" val="385998881"/>
-      </p:ext>
-    </p:extLst>
-  </p:cSld>
-  <p:clrMapOvr>
-    <a:masterClrMapping/>
-  </p:clrMapOvr>
-</p:sld>
-</file>
-
-<file path=ppt/slides/slide9.xml><?xml version="1.0" encoding="utf-8"?>
-<p:sld xmlns:a="http://schemas.openxmlformats.org/drawingml/2006/main" xmlns:r="http://schemas.openxmlformats.org/officeDocument/2006/relationships" xmlns:p="http://schemas.openxmlformats.org/presentationml/2006/main">
-  <p:cSld>
-    <p:spTree>
-      <p:nvGrpSpPr>
-        <p:cNvPr id="1" name=""/>
-        <p:cNvGrpSpPr/>
-        <p:nvPr/>
-      </p:nvGrpSpPr>
-      <p:grpSpPr>
-        <a:xfrm>
-          <a:off x="0" y="0"/>
-          <a:ext cx="0" cy="0"/>
-          <a:chOff x="0" y="0"/>
-          <a:chExt cx="0" cy="0"/>
-        </a:xfrm>
-      </p:grpSpPr>
-      <p:sp>
-        <p:nvSpPr>
-          <p:cNvPr id="2" name="Title 1">
-            <a:extLst>
-              <a:ext uri="{FF2B5EF4-FFF2-40B4-BE49-F238E27FC236}">
-                <a16:creationId xmlns:a16="http://schemas.microsoft.com/office/drawing/2014/main" id="{8C1723ED-6211-A643-95FE-C566BD4AC9AC}"/>
-              </a:ext>
-            </a:extLst>
-          </p:cNvPr>
-          <p:cNvSpPr>
-            <a:spLocks noGrp="1"/>
-          </p:cNvSpPr>
-          <p:nvPr>
-            <p:ph type="title"/>
-          </p:nvPr>
-        </p:nvSpPr>
-        <p:spPr/>
-        <p:txBody>
-          <a:bodyPr/>
-          <a:lstStyle/>
-          <a:p>
-            <a:r>
-              <a:rPr lang="en-US" dirty="0"/>
-              <a:t>Step 3: Append Indices</a:t>
-            </a:r>
-          </a:p>
-        </p:txBody>
-      </p:sp>
-      <p:sp>
-        <p:nvSpPr>
-          <p:cNvPr id="4" name="Date Placeholder 3">
-            <a:extLst>
-              <a:ext uri="{FF2B5EF4-FFF2-40B4-BE49-F238E27FC236}">
-                <a16:creationId xmlns:a16="http://schemas.microsoft.com/office/drawing/2014/main" id="{68C693D4-5E74-BF4E-AA00-F4A5C8E99F93}"/>
-              </a:ext>
-            </a:extLst>
-          </p:cNvPr>
-          <p:cNvSpPr>
-            <a:spLocks noGrp="1"/>
-          </p:cNvSpPr>
-          <p:nvPr>
-            <p:ph type="dt" sz="half" idx="10"/>
-          </p:nvPr>
-        </p:nvSpPr>
-        <p:spPr/>
-        <p:txBody>
-          <a:bodyPr/>
-          <a:lstStyle/>
-          <a:p>
-            <a:r>
-              <a:rPr lang="en-US"/>
-              <a:t>10 November 2021</a:t>
-            </a:r>
-          </a:p>
-        </p:txBody>
-      </p:sp>
-      <p:sp>
-        <p:nvSpPr>
-          <p:cNvPr id="5" name="Slide Number Placeholder 4">
-            <a:extLst>
-              <a:ext uri="{FF2B5EF4-FFF2-40B4-BE49-F238E27FC236}">
-                <a16:creationId xmlns:a16="http://schemas.microsoft.com/office/drawing/2014/main" id="{02824074-17D8-1149-BFB0-7C6E01588646}"/>
-              </a:ext>
-            </a:extLst>
-          </p:cNvPr>
-          <p:cNvSpPr>
-            <a:spLocks noGrp="1"/>
-          </p:cNvSpPr>
-          <p:nvPr>
-            <p:ph type="sldNum" sz="quarter" idx="12"/>
-          </p:nvPr>
-        </p:nvSpPr>
-        <p:spPr/>
-        <p:txBody>
-          <a:bodyPr/>
-          <a:lstStyle/>
-          <a:p>
-            <a:fld id="{25C7EC90-9A2B-9547-9252-1EE4E1D5B166}" type="slidenum">
-              <a:rPr lang="en-US" smtClean="0"/>
-              <a:t>9</a:t>
-            </a:fld>
-            <a:endParaRPr lang="en-US"/>
-          </a:p>
-        </p:txBody>
-      </p:sp>
-      <p:pic>
-        <p:nvPicPr>
-          <p:cNvPr id="11" name="Content Placeholder 10">
-            <a:extLst>
-              <a:ext uri="{FF2B5EF4-FFF2-40B4-BE49-F238E27FC236}">
-                <a16:creationId xmlns:a16="http://schemas.microsoft.com/office/drawing/2014/main" id="{27528DFB-D25F-234A-824A-F0A85D30ED2F}"/>
-              </a:ext>
-            </a:extLst>
-          </p:cNvPr>
-          <p:cNvPicPr>
-            <a:picLocks noGrp="1" noChangeAspect="1"/>
-          </p:cNvPicPr>
-          <p:nvPr>
-            <p:ph idx="1"/>
-          </p:nvPr>
-        </p:nvPicPr>
-        <p:blipFill>
-          <a:blip r:embed="rId2"/>
-          <a:srcRect/>
-          <a:stretch/>
-        </p:blipFill>
-        <p:spPr>
-          <a:xfrm>
-            <a:off x="298556" y="1555802"/>
-            <a:ext cx="8702676" cy="4351338"/>
-          </a:xfrm>
-        </p:spPr>
-      </p:pic>
-      <p:sp>
-        <p:nvSpPr>
-          <p:cNvPr id="12" name="TextBox 11">
-            <a:extLst>
-              <a:ext uri="{FF2B5EF4-FFF2-40B4-BE49-F238E27FC236}">
-                <a16:creationId xmlns:a16="http://schemas.microsoft.com/office/drawing/2014/main" id="{39AD2ECE-EC76-2E41-B726-7494328CA74D}"/>
-              </a:ext>
-            </a:extLst>
-          </p:cNvPr>
-          <p:cNvSpPr txBox="1"/>
-          <p:nvPr/>
-        </p:nvSpPr>
-        <p:spPr>
-          <a:xfrm>
-            <a:off x="7547184" y="3876492"/>
-            <a:ext cx="3987384" cy="2585323"/>
-          </a:xfrm>
-          <a:prstGeom prst="rect">
-            <a:avLst/>
-          </a:prstGeom>
-          <a:noFill/>
-        </p:spPr>
-        <p:txBody>
-          <a:bodyPr wrap="square" rtlCol="0">
-            <a:spAutoFit/>
-          </a:bodyPr>
-          <a:lstStyle/>
-          <a:p>
-            <a:r>
-              <a:rPr lang="en-US" dirty="0"/>
-              <a:t>To my surprise, I don’t see any significant trends in any of these indices and the microburst rate.</a:t>
-            </a:r>
-          </a:p>
-          <a:p>
-            <a:endParaRPr lang="en-US" dirty="0"/>
-          </a:p>
-          <a:p>
-            <a:r>
-              <a:rPr lang="en-US" dirty="0"/>
-              <a:t>Is there a better way to calculate microburst occurrence rate?</a:t>
-            </a:r>
-          </a:p>
-          <a:p>
-            <a:endParaRPr lang="en-US" dirty="0"/>
-          </a:p>
-          <a:p>
-            <a:r>
-              <a:rPr lang="en-US" dirty="0"/>
-              <a:t>Maybe this is where the rate of change of this indices will be more illuminating.</a:t>
-            </a:r>
-          </a:p>
-        </p:txBody>
-      </p:sp>
-    </p:spTree>
-    <p:extLst>
-      <p:ext uri="{BB962C8B-B14F-4D97-AF65-F5344CB8AC3E}">
-        <p14:creationId xmlns:p14="http://schemas.microsoft.com/office/powerpoint/2010/main" val="2693821762"/>
       </p:ext>
     </p:extLst>
   </p:cSld>
